--- a/CaseStudy3/DS7333_CaseStudy_3_RPatel.pptx
+++ b/CaseStudy3/DS7333_CaseStudy_3_RPatel.pptx
@@ -5,7 +5,7 @@
     <p:sldMasterId id="2147483660" r:id="rId1"/>
   </p:sldMasterIdLst>
   <p:notesMasterIdLst>
-    <p:notesMasterId r:id="rId25"/>
+    <p:notesMasterId r:id="rId26"/>
   </p:notesMasterIdLst>
   <p:sldIdLst>
     <p:sldId id="580" r:id="rId2"/>
@@ -31,6 +31,7 @@
     <p:sldId id="602" r:id="rId22"/>
     <p:sldId id="603" r:id="rId23"/>
     <p:sldId id="605" r:id="rId24"/>
+    <p:sldId id="606" r:id="rId25"/>
   </p:sldIdLst>
   <p:sldSz cx="12192000" cy="6858000"/>
   <p:notesSz cx="6858000" cy="9144000"/>
@@ -5118,6 +5119,123 @@
     <p:extLst>
       <p:ext uri="{BB962C8B-B14F-4D97-AF65-F5344CB8AC3E}">
         <p14:creationId xmlns:p14="http://schemas.microsoft.com/office/powerpoint/2010/main" val="3206188588"/>
+      </p:ext>
+    </p:extLst>
+  </p:cSld>
+  <p:clrMapOvr>
+    <a:masterClrMapping/>
+  </p:clrMapOvr>
+</p:sld>
+</file>
+
+<file path=ppt/slides/slide24.xml><?xml version="1.0" encoding="utf-8"?>
+<p:sld xmlns:a="http://schemas.openxmlformats.org/drawingml/2006/main" xmlns:r="http://schemas.openxmlformats.org/officeDocument/2006/relationships" xmlns:p="http://schemas.openxmlformats.org/presentationml/2006/main">
+  <p:cSld>
+    <p:spTree>
+      <p:nvGrpSpPr>
+        <p:cNvPr id="1" name=""/>
+        <p:cNvGrpSpPr/>
+        <p:nvPr/>
+      </p:nvGrpSpPr>
+      <p:grpSpPr>
+        <a:xfrm>
+          <a:off x="0" y="0"/>
+          <a:ext cx="0" cy="0"/>
+          <a:chOff x="0" y="0"/>
+          <a:chExt cx="0" cy="0"/>
+        </a:xfrm>
+      </p:grpSpPr>
+      <p:sp>
+        <p:nvSpPr>
+          <p:cNvPr id="2" name="Title 1">
+            <a:extLst>
+              <a:ext uri="{FF2B5EF4-FFF2-40B4-BE49-F238E27FC236}">
+                <a16:creationId xmlns:a16="http://schemas.microsoft.com/office/drawing/2014/main" id="{790D17BE-DDB9-EB4C-8054-B2B08EAB0D71}"/>
+              </a:ext>
+            </a:extLst>
+          </p:cNvPr>
+          <p:cNvSpPr>
+            <a:spLocks noGrp="1"/>
+          </p:cNvSpPr>
+          <p:nvPr>
+            <p:ph type="title"/>
+          </p:nvPr>
+        </p:nvSpPr>
+        <p:spPr/>
+        <p:txBody>
+          <a:bodyPr/>
+          <a:lstStyle/>
+          <a:p>
+            <a:r>
+              <a:rPr lang="en-US" b="1" dirty="0"/>
+              <a:t>Appendix</a:t>
+            </a:r>
+          </a:p>
+        </p:txBody>
+      </p:sp>
+      <p:sp>
+        <p:nvSpPr>
+          <p:cNvPr id="3" name="Content Placeholder 2">
+            <a:extLst>
+              <a:ext uri="{FF2B5EF4-FFF2-40B4-BE49-F238E27FC236}">
+                <a16:creationId xmlns:a16="http://schemas.microsoft.com/office/drawing/2014/main" id="{3BFF6E87-3B83-5D43-8032-2574D29AC8EA}"/>
+              </a:ext>
+            </a:extLst>
+          </p:cNvPr>
+          <p:cNvSpPr>
+            <a:spLocks noGrp="1"/>
+          </p:cNvSpPr>
+          <p:nvPr>
+            <p:ph sz="half" idx="1"/>
+          </p:nvPr>
+        </p:nvSpPr>
+        <p:spPr>
+          <a:xfrm>
+            <a:off x="609599" y="1600201"/>
+            <a:ext cx="10682689" cy="4525963"/>
+          </a:xfrm>
+        </p:spPr>
+        <p:txBody>
+          <a:bodyPr/>
+          <a:lstStyle/>
+          <a:p>
+            <a:r>
+              <a:rPr lang="en-US" sz="2400" dirty="0"/>
+              <a:t>The </a:t>
+            </a:r>
+            <a:r>
+              <a:rPr lang="en-US" sz="2400" dirty="0" err="1"/>
+              <a:t>Jupyter</a:t>
+            </a:r>
+            <a:r>
+              <a:rPr lang="en-US" sz="2400" dirty="0"/>
+              <a:t> Notebook for this case study 3 is available on </a:t>
+            </a:r>
+            <a:r>
+              <a:rPr lang="en-US" sz="2400" dirty="0" err="1"/>
+              <a:t>Github</a:t>
+            </a:r>
+            <a:r>
+              <a:rPr lang="en-US" sz="2400" dirty="0"/>
+              <a:t>: </a:t>
+            </a:r>
+            <a:r>
+              <a:rPr lang="en-US" sz="2400" dirty="0">
+                <a:hlinkClick r:id="rId2"/>
+              </a:rPr>
+              <a:t>https://github.com/RashmiAPatel19/MSDS-7333-Quantifying-the-world/tree/main/CaseStudy3</a:t>
+            </a:r>
+            <a:r>
+              <a:rPr lang="en-US" sz="2400" dirty="0"/>
+              <a:t> </a:t>
+            </a:r>
+          </a:p>
+        </p:txBody>
+      </p:sp>
+    </p:spTree>
+    <p:extLst>
+      <p:ext uri="{BB962C8B-B14F-4D97-AF65-F5344CB8AC3E}">
+        <p14:creationId xmlns:p14="http://schemas.microsoft.com/office/powerpoint/2010/main" val="2055392757"/>
       </p:ext>
     </p:extLst>
   </p:cSld>

--- a/CaseStudy3/DS7333_CaseStudy_3_RPatel.pptx
+++ b/CaseStudy3/DS7333_CaseStudy_3_RPatel.pptx
@@ -4968,10 +4968,10 @@
       </p:sp>
       <p:pic>
         <p:nvPicPr>
-          <p:cNvPr id="6" name="Content Placeholder 5" descr="Graphical user interface, text, application, email&#10;&#10;Description automatically generated">
+          <p:cNvPr id="8" name="Content Placeholder 7" descr="Graphical user interface, text, application, email&#10;&#10;Description automatically generated">
             <a:extLst>
               <a:ext uri="{FF2B5EF4-FFF2-40B4-BE49-F238E27FC236}">
-                <a16:creationId xmlns:a16="http://schemas.microsoft.com/office/drawing/2014/main" id="{EE9BF0CD-8CF3-614B-8891-35634E97159B}"/>
+                <a16:creationId xmlns:a16="http://schemas.microsoft.com/office/drawing/2014/main" id="{3B954B2C-D44E-4042-A030-C8913FB72760}"/>
               </a:ext>
             </a:extLst>
           </p:cNvPr>
@@ -4996,8 +4996,8 @@
         </p:blipFill>
         <p:spPr>
           <a:xfrm>
-            <a:off x="2335576" y="3576403"/>
-            <a:ext cx="7083846" cy="2843879"/>
+            <a:off x="2646363" y="3029640"/>
+            <a:ext cx="6654150" cy="2656785"/>
           </a:xfrm>
           <a:prstGeom prst="rect">
             <a:avLst/>
